--- a/events/2022-03-16/slides/05-utelecon_and_supporters.pptx
+++ b/events/2022-03-16/slides/05-utelecon_and_supporters.pptx
@@ -173,7 +173,7 @@
 <file path=ppt/revisionInfo.xml><?xml version="1.0" encoding="utf-8"?>
 <p1510:revInfo xmlns:a="http://schemas.openxmlformats.org/drawingml/2006/main" xmlns:r="http://schemas.openxmlformats.org/officeDocument/2006/relationships" xmlns:p1510="http://schemas.microsoft.com/office/powerpoint/2015/10/main">
   <p1510:revLst>
-    <p1510:client id="{18CE503D-6DF3-DD4B-BADD-B1E450614FBD}" v="80" dt="2022-03-12T06:05:07.939"/>
+    <p1510:client id="{18CE503D-6DF3-DD4B-BADD-B1E450614FBD}" v="83" dt="2022-03-14T03:17:06.907"/>
   </p1510:revLst>
 </p1510:revInfo>
 </file>
@@ -183,12 +183,27 @@
   <pc:docChgLst>
     <pc:chgData name="鈴木　亘" userId="0c5a9354-afc0-4bd2-8c92-689493350a06" providerId="ADAL" clId="{18CE503D-6DF3-DD4B-BADD-B1E450614FBD}"/>
     <pc:docChg chg="undo custSel modSld">
-      <pc:chgData name="鈴木　亘" userId="0c5a9354-afc0-4bd2-8c92-689493350a06" providerId="ADAL" clId="{18CE503D-6DF3-DD4B-BADD-B1E450614FBD}" dt="2022-03-12T06:05:51.389" v="607" actId="20577"/>
+      <pc:chgData name="鈴木　亘" userId="0c5a9354-afc0-4bd2-8c92-689493350a06" providerId="ADAL" clId="{18CE503D-6DF3-DD4B-BADD-B1E450614FBD}" dt="2022-03-14T03:45:50.901" v="869" actId="20577"/>
       <pc:docMkLst>
         <pc:docMk/>
       </pc:docMkLst>
       <pc:sldChg chg="modSp mod">
-        <pc:chgData name="鈴木　亘" userId="0c5a9354-afc0-4bd2-8c92-689493350a06" providerId="ADAL" clId="{18CE503D-6DF3-DD4B-BADD-B1E450614FBD}" dt="2022-03-12T06:04:33.550" v="597" actId="20577"/>
+        <pc:chgData name="鈴木　亘" userId="0c5a9354-afc0-4bd2-8c92-689493350a06" providerId="ADAL" clId="{18CE503D-6DF3-DD4B-BADD-B1E450614FBD}" dt="2022-03-14T02:44:56.595" v="708" actId="20577"/>
+        <pc:sldMkLst>
+          <pc:docMk/>
+          <pc:sldMk cId="0" sldId="256"/>
+        </pc:sldMkLst>
+        <pc:spChg chg="mod">
+          <ac:chgData name="鈴木　亘" userId="0c5a9354-afc0-4bd2-8c92-689493350a06" providerId="ADAL" clId="{18CE503D-6DF3-DD4B-BADD-B1E450614FBD}" dt="2022-03-14T02:44:56.595" v="708" actId="20577"/>
+          <ac:spMkLst>
+            <pc:docMk/>
+            <pc:sldMk cId="0" sldId="256"/>
+            <ac:spMk id="2" creationId="{00000000-0000-0000-0000-000000000000}"/>
+          </ac:spMkLst>
+        </pc:spChg>
+      </pc:sldChg>
+      <pc:sldChg chg="addSp delSp modSp mod">
+        <pc:chgData name="鈴木　亘" userId="0c5a9354-afc0-4bd2-8c92-689493350a06" providerId="ADAL" clId="{18CE503D-6DF3-DD4B-BADD-B1E450614FBD}" dt="2022-03-14T03:03:20.101" v="717"/>
         <pc:sldMkLst>
           <pc:docMk/>
           <pc:sldMk cId="0" sldId="257"/>
@@ -201,24 +216,283 @@
             <ac:spMk id="3" creationId="{00000000-0000-0000-0000-000000000000}"/>
           </ac:spMkLst>
         </pc:spChg>
+        <pc:spChg chg="add del mod">
+          <ac:chgData name="鈴木　亘" userId="0c5a9354-afc0-4bd2-8c92-689493350a06" providerId="ADAL" clId="{18CE503D-6DF3-DD4B-BADD-B1E450614FBD}" dt="2022-03-14T03:03:20.101" v="717"/>
+          <ac:spMkLst>
+            <pc:docMk/>
+            <pc:sldMk cId="0" sldId="257"/>
+            <ac:spMk id="6" creationId="{38CADFB7-6832-454C-AC0B-BD79569502CD}"/>
+          </ac:spMkLst>
+        </pc:spChg>
       </pc:sldChg>
-      <pc:sldChg chg="modSp mod">
-        <pc:chgData name="鈴木　亘" userId="0c5a9354-afc0-4bd2-8c92-689493350a06" providerId="ADAL" clId="{18CE503D-6DF3-DD4B-BADD-B1E450614FBD}" dt="2022-03-12T06:05:36.192" v="603" actId="115"/>
+      <pc:sldChg chg="addSp delSp modSp">
+        <pc:chgData name="鈴木　亘" userId="0c5a9354-afc0-4bd2-8c92-689493350a06" providerId="ADAL" clId="{18CE503D-6DF3-DD4B-BADD-B1E450614FBD}" dt="2022-03-14T03:03:20.101" v="717"/>
+        <pc:sldMkLst>
+          <pc:docMk/>
+          <pc:sldMk cId="0" sldId="365"/>
+        </pc:sldMkLst>
+        <pc:spChg chg="add del mod">
+          <ac:chgData name="鈴木　亘" userId="0c5a9354-afc0-4bd2-8c92-689493350a06" providerId="ADAL" clId="{18CE503D-6DF3-DD4B-BADD-B1E450614FBD}" dt="2022-03-14T03:03:20.101" v="717"/>
+          <ac:spMkLst>
+            <pc:docMk/>
+            <pc:sldMk cId="0" sldId="365"/>
+            <ac:spMk id="4" creationId="{A35FB154-37E2-9545-9A33-C115041C0934}"/>
+          </ac:spMkLst>
+        </pc:spChg>
+      </pc:sldChg>
+      <pc:sldChg chg="addSp delSp modSp">
+        <pc:chgData name="鈴木　亘" userId="0c5a9354-afc0-4bd2-8c92-689493350a06" providerId="ADAL" clId="{18CE503D-6DF3-DD4B-BADD-B1E450614FBD}" dt="2022-03-14T03:03:20.101" v="717"/>
+        <pc:sldMkLst>
+          <pc:docMk/>
+          <pc:sldMk cId="834434885" sldId="366"/>
+        </pc:sldMkLst>
+        <pc:spChg chg="add del mod">
+          <ac:chgData name="鈴木　亘" userId="0c5a9354-afc0-4bd2-8c92-689493350a06" providerId="ADAL" clId="{18CE503D-6DF3-DD4B-BADD-B1E450614FBD}" dt="2022-03-14T03:03:20.101" v="717"/>
+          <ac:spMkLst>
+            <pc:docMk/>
+            <pc:sldMk cId="834434885" sldId="366"/>
+            <ac:spMk id="4" creationId="{0F967F4A-AF60-0A4A-818F-14EC95F92200}"/>
+          </ac:spMkLst>
+        </pc:spChg>
+      </pc:sldChg>
+      <pc:sldChg chg="addSp delSp modSp">
+        <pc:chgData name="鈴木　亘" userId="0c5a9354-afc0-4bd2-8c92-689493350a06" providerId="ADAL" clId="{18CE503D-6DF3-DD4B-BADD-B1E450614FBD}" dt="2022-03-14T03:03:20.101" v="717"/>
+        <pc:sldMkLst>
+          <pc:docMk/>
+          <pc:sldMk cId="97731250" sldId="367"/>
+        </pc:sldMkLst>
+        <pc:spChg chg="add del mod">
+          <ac:chgData name="鈴木　亘" userId="0c5a9354-afc0-4bd2-8c92-689493350a06" providerId="ADAL" clId="{18CE503D-6DF3-DD4B-BADD-B1E450614FBD}" dt="2022-03-14T03:03:20.101" v="717"/>
+          <ac:spMkLst>
+            <pc:docMk/>
+            <pc:sldMk cId="97731250" sldId="367"/>
+            <ac:spMk id="2" creationId="{489EE532-5732-314A-B104-6DE55F40A7D4}"/>
+          </ac:spMkLst>
+        </pc:spChg>
+      </pc:sldChg>
+      <pc:sldChg chg="addSp delSp modSp mod">
+        <pc:chgData name="鈴木　亘" userId="0c5a9354-afc0-4bd2-8c92-689493350a06" providerId="ADAL" clId="{18CE503D-6DF3-DD4B-BADD-B1E450614FBD}" dt="2022-03-14T03:03:20.101" v="717"/>
+        <pc:sldMkLst>
+          <pc:docMk/>
+          <pc:sldMk cId="0" sldId="368"/>
+        </pc:sldMkLst>
+        <pc:spChg chg="add del mod">
+          <ac:chgData name="鈴木　亘" userId="0c5a9354-afc0-4bd2-8c92-689493350a06" providerId="ADAL" clId="{18CE503D-6DF3-DD4B-BADD-B1E450614FBD}" dt="2022-03-14T03:03:20.101" v="717"/>
+          <ac:spMkLst>
+            <pc:docMk/>
+            <pc:sldMk cId="0" sldId="368"/>
+            <ac:spMk id="6" creationId="{C59BD26C-70A3-DD4E-B559-2300CC43B328}"/>
+          </ac:spMkLst>
+        </pc:spChg>
+      </pc:sldChg>
+      <pc:sldChg chg="addSp delSp modSp">
+        <pc:chgData name="鈴木　亘" userId="0c5a9354-afc0-4bd2-8c92-689493350a06" providerId="ADAL" clId="{18CE503D-6DF3-DD4B-BADD-B1E450614FBD}" dt="2022-03-14T03:03:20.101" v="717"/>
+        <pc:sldMkLst>
+          <pc:docMk/>
+          <pc:sldMk cId="751778923" sldId="369"/>
+        </pc:sldMkLst>
+        <pc:spChg chg="add del mod">
+          <ac:chgData name="鈴木　亘" userId="0c5a9354-afc0-4bd2-8c92-689493350a06" providerId="ADAL" clId="{18CE503D-6DF3-DD4B-BADD-B1E450614FBD}" dt="2022-03-14T03:03:20.101" v="717"/>
+          <ac:spMkLst>
+            <pc:docMk/>
+            <pc:sldMk cId="751778923" sldId="369"/>
+            <ac:spMk id="6" creationId="{DD8FB735-83D3-7D48-9D18-EE4803E5E5FF}"/>
+          </ac:spMkLst>
+        </pc:spChg>
+      </pc:sldChg>
+      <pc:sldChg chg="addSp delSp modSp mod">
+        <pc:chgData name="鈴木　亘" userId="0c5a9354-afc0-4bd2-8c92-689493350a06" providerId="ADAL" clId="{18CE503D-6DF3-DD4B-BADD-B1E450614FBD}" dt="2022-03-14T03:03:20.101" v="717"/>
+        <pc:sldMkLst>
+          <pc:docMk/>
+          <pc:sldMk cId="2558834501" sldId="370"/>
+        </pc:sldMkLst>
+        <pc:spChg chg="mod">
+          <ac:chgData name="鈴木　亘" userId="0c5a9354-afc0-4bd2-8c92-689493350a06" providerId="ADAL" clId="{18CE503D-6DF3-DD4B-BADD-B1E450614FBD}" dt="2022-03-14T02:55:47.619" v="710" actId="404"/>
+          <ac:spMkLst>
+            <pc:docMk/>
+            <pc:sldMk cId="2558834501" sldId="370"/>
+            <ac:spMk id="2" creationId="{00000000-0000-0000-0000-000000000000}"/>
+          </ac:spMkLst>
+        </pc:spChg>
+        <pc:spChg chg="add del mod">
+          <ac:chgData name="鈴木　亘" userId="0c5a9354-afc0-4bd2-8c92-689493350a06" providerId="ADAL" clId="{18CE503D-6DF3-DD4B-BADD-B1E450614FBD}" dt="2022-03-14T03:03:20.101" v="717"/>
+          <ac:spMkLst>
+            <pc:docMk/>
+            <pc:sldMk cId="2558834501" sldId="370"/>
+            <ac:spMk id="6" creationId="{2393950C-BCFE-1B46-97E9-D84B11306BAF}"/>
+          </ac:spMkLst>
+        </pc:spChg>
+      </pc:sldChg>
+      <pc:sldChg chg="addSp delSp modSp">
+        <pc:chgData name="鈴木　亘" userId="0c5a9354-afc0-4bd2-8c92-689493350a06" providerId="ADAL" clId="{18CE503D-6DF3-DD4B-BADD-B1E450614FBD}" dt="2022-03-14T03:03:20.101" v="717"/>
+        <pc:sldMkLst>
+          <pc:docMk/>
+          <pc:sldMk cId="1230961776" sldId="371"/>
+        </pc:sldMkLst>
+        <pc:spChg chg="add del mod">
+          <ac:chgData name="鈴木　亘" userId="0c5a9354-afc0-4bd2-8c92-689493350a06" providerId="ADAL" clId="{18CE503D-6DF3-DD4B-BADD-B1E450614FBD}" dt="2022-03-14T03:03:20.101" v="717"/>
+          <ac:spMkLst>
+            <pc:docMk/>
+            <pc:sldMk cId="1230961776" sldId="371"/>
+            <ac:spMk id="6" creationId="{EE3908C0-E3FD-7545-9999-FC9170A84881}"/>
+          </ac:spMkLst>
+        </pc:spChg>
+      </pc:sldChg>
+      <pc:sldChg chg="addSp delSp modSp">
+        <pc:chgData name="鈴木　亘" userId="0c5a9354-afc0-4bd2-8c92-689493350a06" providerId="ADAL" clId="{18CE503D-6DF3-DD4B-BADD-B1E450614FBD}" dt="2022-03-14T03:03:20.101" v="717"/>
+        <pc:sldMkLst>
+          <pc:docMk/>
+          <pc:sldMk cId="3294609859" sldId="372"/>
+        </pc:sldMkLst>
+        <pc:spChg chg="add del mod">
+          <ac:chgData name="鈴木　亘" userId="0c5a9354-afc0-4bd2-8c92-689493350a06" providerId="ADAL" clId="{18CE503D-6DF3-DD4B-BADD-B1E450614FBD}" dt="2022-03-14T03:03:20.101" v="717"/>
+          <ac:spMkLst>
+            <pc:docMk/>
+            <pc:sldMk cId="3294609859" sldId="372"/>
+            <ac:spMk id="6" creationId="{86B590A0-38B9-994A-82F8-07CCF443F7AA}"/>
+          </ac:spMkLst>
+        </pc:spChg>
+      </pc:sldChg>
+      <pc:sldChg chg="addSp delSp modSp">
+        <pc:chgData name="鈴木　亘" userId="0c5a9354-afc0-4bd2-8c92-689493350a06" providerId="ADAL" clId="{18CE503D-6DF3-DD4B-BADD-B1E450614FBD}" dt="2022-03-14T03:03:20.101" v="717"/>
+        <pc:sldMkLst>
+          <pc:docMk/>
+          <pc:sldMk cId="3488056291" sldId="373"/>
+        </pc:sldMkLst>
+        <pc:spChg chg="add del mod">
+          <ac:chgData name="鈴木　亘" userId="0c5a9354-afc0-4bd2-8c92-689493350a06" providerId="ADAL" clId="{18CE503D-6DF3-DD4B-BADD-B1E450614FBD}" dt="2022-03-14T03:03:20.101" v="717"/>
+          <ac:spMkLst>
+            <pc:docMk/>
+            <pc:sldMk cId="3488056291" sldId="373"/>
+            <ac:spMk id="6" creationId="{5BC36DC0-1F08-DB48-B3A7-E4D234A971B3}"/>
+          </ac:spMkLst>
+        </pc:spChg>
+      </pc:sldChg>
+      <pc:sldChg chg="addSp delSp modSp">
+        <pc:chgData name="鈴木　亘" userId="0c5a9354-afc0-4bd2-8c92-689493350a06" providerId="ADAL" clId="{18CE503D-6DF3-DD4B-BADD-B1E450614FBD}" dt="2022-03-14T03:03:20.101" v="717"/>
+        <pc:sldMkLst>
+          <pc:docMk/>
+          <pc:sldMk cId="4273095684" sldId="374"/>
+        </pc:sldMkLst>
+        <pc:spChg chg="add del mod">
+          <ac:chgData name="鈴木　亘" userId="0c5a9354-afc0-4bd2-8c92-689493350a06" providerId="ADAL" clId="{18CE503D-6DF3-DD4B-BADD-B1E450614FBD}" dt="2022-03-14T03:03:20.101" v="717"/>
+          <ac:spMkLst>
+            <pc:docMk/>
+            <pc:sldMk cId="4273095684" sldId="374"/>
+            <ac:spMk id="6" creationId="{C6537A15-C208-EE40-9C07-EE7CDB815A88}"/>
+          </ac:spMkLst>
+        </pc:spChg>
+      </pc:sldChg>
+      <pc:sldChg chg="addSp delSp modSp mod">
+        <pc:chgData name="鈴木　亘" userId="0c5a9354-afc0-4bd2-8c92-689493350a06" providerId="ADAL" clId="{18CE503D-6DF3-DD4B-BADD-B1E450614FBD}" dt="2022-03-14T03:09:40.804" v="730" actId="20577"/>
+        <pc:sldMkLst>
+          <pc:docMk/>
+          <pc:sldMk cId="2548137959" sldId="375"/>
+        </pc:sldMkLst>
+        <pc:spChg chg="mod">
+          <ac:chgData name="鈴木　亘" userId="0c5a9354-afc0-4bd2-8c92-689493350a06" providerId="ADAL" clId="{18CE503D-6DF3-DD4B-BADD-B1E450614FBD}" dt="2022-03-14T03:09:40.804" v="730" actId="20577"/>
+          <ac:spMkLst>
+            <pc:docMk/>
+            <pc:sldMk cId="2548137959" sldId="375"/>
+            <ac:spMk id="3" creationId="{00000000-0000-0000-0000-000000000000}"/>
+          </ac:spMkLst>
+        </pc:spChg>
+        <pc:spChg chg="add del mod">
+          <ac:chgData name="鈴木　亘" userId="0c5a9354-afc0-4bd2-8c92-689493350a06" providerId="ADAL" clId="{18CE503D-6DF3-DD4B-BADD-B1E450614FBD}" dt="2022-03-14T03:03:20.101" v="717"/>
+          <ac:spMkLst>
+            <pc:docMk/>
+            <pc:sldMk cId="2548137959" sldId="375"/>
+            <ac:spMk id="6" creationId="{094914FD-9A22-B546-A562-2F06CEF5C511}"/>
+          </ac:spMkLst>
+        </pc:spChg>
+      </pc:sldChg>
+      <pc:sldChg chg="addSp delSp modSp mod">
+        <pc:chgData name="鈴木　亘" userId="0c5a9354-afc0-4bd2-8c92-689493350a06" providerId="ADAL" clId="{18CE503D-6DF3-DD4B-BADD-B1E450614FBD}" dt="2022-03-14T03:45:50.901" v="869" actId="20577"/>
+        <pc:sldMkLst>
+          <pc:docMk/>
+          <pc:sldMk cId="2370472500" sldId="376"/>
+        </pc:sldMkLst>
+        <pc:spChg chg="mod">
+          <ac:chgData name="鈴木　亘" userId="0c5a9354-afc0-4bd2-8c92-689493350a06" providerId="ADAL" clId="{18CE503D-6DF3-DD4B-BADD-B1E450614FBD}" dt="2022-03-14T03:45:50.901" v="869" actId="20577"/>
+          <ac:spMkLst>
+            <pc:docMk/>
+            <pc:sldMk cId="2370472500" sldId="376"/>
+            <ac:spMk id="3" creationId="{00000000-0000-0000-0000-000000000000}"/>
+          </ac:spMkLst>
+        </pc:spChg>
+        <pc:spChg chg="mod">
+          <ac:chgData name="鈴木　亘" userId="0c5a9354-afc0-4bd2-8c92-689493350a06" providerId="ADAL" clId="{18CE503D-6DF3-DD4B-BADD-B1E450614FBD}" dt="2022-03-14T03:17:32.017" v="793" actId="1076"/>
+          <ac:spMkLst>
+            <pc:docMk/>
+            <pc:sldMk cId="2370472500" sldId="376"/>
+            <ac:spMk id="7" creationId="{5950526A-FD7B-9A40-B6C0-5E8B4F4D068A}"/>
+          </ac:spMkLst>
+        </pc:spChg>
+        <pc:spChg chg="add del mod">
+          <ac:chgData name="鈴木　亘" userId="0c5a9354-afc0-4bd2-8c92-689493350a06" providerId="ADAL" clId="{18CE503D-6DF3-DD4B-BADD-B1E450614FBD}" dt="2022-03-14T03:03:20.101" v="717"/>
+          <ac:spMkLst>
+            <pc:docMk/>
+            <pc:sldMk cId="2370472500" sldId="376"/>
+            <ac:spMk id="9" creationId="{C59A36C7-BB6D-8F43-9A82-2F663A414382}"/>
+          </ac:spMkLst>
+        </pc:spChg>
+        <pc:spChg chg="add mod">
+          <ac:chgData name="鈴木　亘" userId="0c5a9354-afc0-4bd2-8c92-689493350a06" providerId="ADAL" clId="{18CE503D-6DF3-DD4B-BADD-B1E450614FBD}" dt="2022-03-14T03:17:14.322" v="791" actId="14100"/>
+          <ac:spMkLst>
+            <pc:docMk/>
+            <pc:sldMk cId="2370472500" sldId="376"/>
+            <ac:spMk id="10" creationId="{D23CFCAD-C8B3-DA4F-AC61-C28822405064}"/>
+          </ac:spMkLst>
+        </pc:spChg>
+      </pc:sldChg>
+      <pc:sldChg chg="addSp delSp modSp mod modNotesTx">
+        <pc:chgData name="鈴木　亘" userId="0c5a9354-afc0-4bd2-8c92-689493350a06" providerId="ADAL" clId="{18CE503D-6DF3-DD4B-BADD-B1E450614FBD}" dt="2022-03-14T03:17:47.011" v="794" actId="20577"/>
+        <pc:sldMkLst>
+          <pc:docMk/>
+          <pc:sldMk cId="1721427949" sldId="378"/>
+        </pc:sldMkLst>
+        <pc:spChg chg="mod">
+          <ac:chgData name="鈴木　亘" userId="0c5a9354-afc0-4bd2-8c92-689493350a06" providerId="ADAL" clId="{18CE503D-6DF3-DD4B-BADD-B1E450614FBD}" dt="2022-03-14T02:55:53.247" v="711" actId="404"/>
+          <ac:spMkLst>
+            <pc:docMk/>
+            <pc:sldMk cId="1721427949" sldId="378"/>
+            <ac:spMk id="2" creationId="{00000000-0000-0000-0000-000000000000}"/>
+          </ac:spMkLst>
+        </pc:spChg>
+        <pc:spChg chg="add del mod">
+          <ac:chgData name="鈴木　亘" userId="0c5a9354-afc0-4bd2-8c92-689493350a06" providerId="ADAL" clId="{18CE503D-6DF3-DD4B-BADD-B1E450614FBD}" dt="2022-03-14T03:03:20.101" v="717"/>
+          <ac:spMkLst>
+            <pc:docMk/>
+            <pc:sldMk cId="1721427949" sldId="378"/>
+            <ac:spMk id="6" creationId="{9ED4F6C4-1C28-F742-9894-ECADE7E7E8D2}"/>
+          </ac:spMkLst>
+        </pc:spChg>
+      </pc:sldChg>
+      <pc:sldChg chg="addSp delSp modSp mod">
+        <pc:chgData name="鈴木　亘" userId="0c5a9354-afc0-4bd2-8c92-689493350a06" providerId="ADAL" clId="{18CE503D-6DF3-DD4B-BADD-B1E450614FBD}" dt="2022-03-14T03:03:20.101" v="717"/>
         <pc:sldMkLst>
           <pc:docMk/>
           <pc:sldMk cId="1252856613" sldId="381"/>
         </pc:sldMkLst>
         <pc:spChg chg="mod">
-          <ac:chgData name="鈴木　亘" userId="0c5a9354-afc0-4bd2-8c92-689493350a06" providerId="ADAL" clId="{18CE503D-6DF3-DD4B-BADD-B1E450614FBD}" dt="2022-03-12T06:05:36.192" v="603" actId="115"/>
+          <ac:chgData name="鈴木　亘" userId="0c5a9354-afc0-4bd2-8c92-689493350a06" providerId="ADAL" clId="{18CE503D-6DF3-DD4B-BADD-B1E450614FBD}" dt="2022-03-14T02:49:28.481" v="709" actId="1076"/>
           <ac:spMkLst>
             <pc:docMk/>
             <pc:sldMk cId="1252856613" sldId="381"/>
             <ac:spMk id="3" creationId="{00000000-0000-0000-0000-000000000000}"/>
           </ac:spMkLst>
         </pc:spChg>
+        <pc:spChg chg="add del mod">
+          <ac:chgData name="鈴木　亘" userId="0c5a9354-afc0-4bd2-8c92-689493350a06" providerId="ADAL" clId="{18CE503D-6DF3-DD4B-BADD-B1E450614FBD}" dt="2022-03-14T03:03:20.101" v="717"/>
+          <ac:spMkLst>
+            <pc:docMk/>
+            <pc:sldMk cId="1252856613" sldId="381"/>
+            <ac:spMk id="4" creationId="{FE0A0427-3204-7D40-A40B-EFAFFE8D4DBB}"/>
+          </ac:spMkLst>
+        </pc:spChg>
       </pc:sldChg>
-      <pc:sldChg chg="modSp mod">
-        <pc:chgData name="鈴木　亘" userId="0c5a9354-afc0-4bd2-8c92-689493350a06" providerId="ADAL" clId="{18CE503D-6DF3-DD4B-BADD-B1E450614FBD}" dt="2022-03-12T06:05:51.389" v="607" actId="20577"/>
+      <pc:sldChg chg="addSp delSp modSp mod">
+        <pc:chgData name="鈴木　亘" userId="0c5a9354-afc0-4bd2-8c92-689493350a06" providerId="ADAL" clId="{18CE503D-6DF3-DD4B-BADD-B1E450614FBD}" dt="2022-03-14T03:03:20.101" v="717"/>
         <pc:sldMkLst>
           <pc:docMk/>
           <pc:sldMk cId="237191679" sldId="382"/>
@@ -229,6 +503,14 @@
             <pc:docMk/>
             <pc:sldMk cId="237191679" sldId="382"/>
             <ac:spMk id="3" creationId="{00000000-0000-0000-0000-000000000000}"/>
+          </ac:spMkLst>
+        </pc:spChg>
+        <pc:spChg chg="add del mod">
+          <ac:chgData name="鈴木　亘" userId="0c5a9354-afc0-4bd2-8c92-689493350a06" providerId="ADAL" clId="{18CE503D-6DF3-DD4B-BADD-B1E450614FBD}" dt="2022-03-14T03:03:20.101" v="717"/>
+          <ac:spMkLst>
+            <pc:docMk/>
+            <pc:sldMk cId="237191679" sldId="382"/>
+            <ac:spMk id="4" creationId="{8A41FE39-182A-F848-BF05-C7D38C6EF8E3}"/>
           </ac:spMkLst>
         </pc:spChg>
       </pc:sldChg>
@@ -320,7 +602,7 @@
             <a:fld id="{35305EB0-020F-4995-961E-A35B2BB78D2B}" type="datetimeFigureOut">
               <a:rPr kumimoji="1" lang="ja-JP" altLang="en-US" smtClean="0"/>
               <a:pPr/>
-              <a:t>2022/3/12</a:t>
+              <a:t>2022/3/14</a:t>
             </a:fld>
             <a:endParaRPr kumimoji="1" lang="ja-JP" altLang="en-US"/>
           </a:p>
@@ -661,6 +943,91 @@
           <a:bodyPr/>
           <a:lstStyle/>
           <a:p>
+            <a:endParaRPr kumimoji="1" lang="ja-JP" altLang="en-US"/>
+          </a:p>
+        </p:txBody>
+      </p:sp>
+      <p:sp>
+        <p:nvSpPr>
+          <p:cNvPr id="4" name="スライド番号プレースホルダー 3"/>
+          <p:cNvSpPr>
+            <a:spLocks noGrp="1"/>
+          </p:cNvSpPr>
+          <p:nvPr>
+            <p:ph type="sldNum" sz="quarter" idx="5"/>
+          </p:nvPr>
+        </p:nvSpPr>
+        <p:spPr/>
+        <p:txBody>
+          <a:bodyPr/>
+          <a:lstStyle/>
+          <a:p>
+            <a:fld id="{FD842DED-4B9B-4568-AC85-B50FA0785511}" type="slidenum">
+              <a:rPr kumimoji="1" lang="ja-JP" altLang="en-US" smtClean="0"/>
+              <a:pPr/>
+              <a:t>5</a:t>
+            </a:fld>
+            <a:endParaRPr kumimoji="1" lang="ja-JP" altLang="en-US"/>
+          </a:p>
+        </p:txBody>
+      </p:sp>
+    </p:spTree>
+    <p:extLst>
+      <p:ext uri="{BB962C8B-B14F-4D97-AF65-F5344CB8AC3E}">
+        <p14:creationId xmlns:p14="http://schemas.microsoft.com/office/powerpoint/2010/main" val="40129893"/>
+      </p:ext>
+    </p:extLst>
+  </p:cSld>
+  <p:clrMapOvr>
+    <a:masterClrMapping/>
+  </p:clrMapOvr>
+</p:notes>
+</file>
+
+<file path=ppt/notesSlides/notesSlide2.xml><?xml version="1.0" encoding="utf-8"?>
+<p:notes xmlns:a="http://schemas.openxmlformats.org/drawingml/2006/main" xmlns:r="http://schemas.openxmlformats.org/officeDocument/2006/relationships" xmlns:p="http://schemas.openxmlformats.org/presentationml/2006/main">
+  <p:cSld>
+    <p:spTree>
+      <p:nvGrpSpPr>
+        <p:cNvPr id="1" name=""/>
+        <p:cNvGrpSpPr/>
+        <p:nvPr/>
+      </p:nvGrpSpPr>
+      <p:grpSpPr>
+        <a:xfrm>
+          <a:off x="0" y="0"/>
+          <a:ext cx="0" cy="0"/>
+          <a:chOff x="0" y="0"/>
+          <a:chExt cx="0" cy="0"/>
+        </a:xfrm>
+      </p:grpSpPr>
+      <p:sp>
+        <p:nvSpPr>
+          <p:cNvPr id="2" name="スライド イメージ プレースホルダー 1"/>
+          <p:cNvSpPr>
+            <a:spLocks noGrp="1" noRot="1" noChangeAspect="1"/>
+          </p:cNvSpPr>
+          <p:nvPr>
+            <p:ph type="sldImg"/>
+          </p:nvPr>
+        </p:nvSpPr>
+        <p:spPr/>
+      </p:sp>
+      <p:sp>
+        <p:nvSpPr>
+          <p:cNvPr id="3" name="ノート プレースホルダー 2"/>
+          <p:cNvSpPr>
+            <a:spLocks noGrp="1"/>
+          </p:cNvSpPr>
+          <p:nvPr>
+            <p:ph type="body" idx="1"/>
+          </p:nvPr>
+        </p:nvSpPr>
+        <p:spPr/>
+        <p:txBody>
+          <a:bodyPr/>
+          <a:lstStyle/>
+          <a:p>
             <a:r>
               <a:rPr kumimoji="1" lang="en" altLang="ja-JP" dirty="0"/>
               <a:t>https://</a:t>
@@ -744,7 +1111,7 @@
 </p:notes>
 </file>
 
-<file path=ppt/notesSlides/notesSlide2.xml><?xml version="1.0" encoding="utf-8"?>
+<file path=ppt/notesSlides/notesSlide3.xml><?xml version="1.0" encoding="utf-8"?>
 <p:notes xmlns:a="http://schemas.openxmlformats.org/drawingml/2006/main" xmlns:r="http://schemas.openxmlformats.org/officeDocument/2006/relationships" xmlns:p="http://schemas.openxmlformats.org/presentationml/2006/main">
   <p:cSld>
     <p:spTree>
@@ -829,7 +1196,7 @@
 </p:notes>
 </file>
 
-<file path=ppt/notesSlides/notesSlide3.xml><?xml version="1.0" encoding="utf-8"?>
+<file path=ppt/notesSlides/notesSlide4.xml><?xml version="1.0" encoding="utf-8"?>
 <p:notes xmlns:a="http://schemas.openxmlformats.org/drawingml/2006/main" xmlns:r="http://schemas.openxmlformats.org/officeDocument/2006/relationships" xmlns:p="http://schemas.openxmlformats.org/presentationml/2006/main">
   <p:cSld>
     <p:spTree>
@@ -914,7 +1281,7 @@
 </p:notes>
 </file>
 
-<file path=ppt/notesSlides/notesSlide4.xml><?xml version="1.0" encoding="utf-8"?>
+<file path=ppt/notesSlides/notesSlide5.xml><?xml version="1.0" encoding="utf-8"?>
 <p:notes xmlns:a="http://schemas.openxmlformats.org/drawingml/2006/main" xmlns:r="http://schemas.openxmlformats.org/officeDocument/2006/relationships" xmlns:p="http://schemas.openxmlformats.org/presentationml/2006/main">
   <p:cSld>
     <p:spTree>
@@ -1003,7 +1370,7 @@
 </p:notes>
 </file>
 
-<file path=ppt/notesSlides/notesSlide5.xml><?xml version="1.0" encoding="utf-8"?>
+<file path=ppt/notesSlides/notesSlide6.xml><?xml version="1.0" encoding="utf-8"?>
 <p:notes xmlns:a="http://schemas.openxmlformats.org/drawingml/2006/main" xmlns:r="http://schemas.openxmlformats.org/officeDocument/2006/relationships" xmlns:p="http://schemas.openxmlformats.org/presentationml/2006/main">
   <p:cSld>
     <p:spTree>
@@ -1092,7 +1459,7 @@
 </p:notes>
 </file>
 
-<file path=ppt/notesSlides/notesSlide6.xml><?xml version="1.0" encoding="utf-8"?>
+<file path=ppt/notesSlides/notesSlide7.xml><?xml version="1.0" encoding="utf-8"?>
 <p:notes xmlns:a="http://schemas.openxmlformats.org/drawingml/2006/main" xmlns:r="http://schemas.openxmlformats.org/officeDocument/2006/relationships" xmlns:p="http://schemas.openxmlformats.org/presentationml/2006/main">
   <p:cSld>
     <p:spTree>
@@ -1181,7 +1548,7 @@
 </p:notes>
 </file>
 
-<file path=ppt/notesSlides/notesSlide7.xml><?xml version="1.0" encoding="utf-8"?>
+<file path=ppt/notesSlides/notesSlide8.xml><?xml version="1.0" encoding="utf-8"?>
 <p:notes xmlns:a="http://schemas.openxmlformats.org/drawingml/2006/main" xmlns:r="http://schemas.openxmlformats.org/officeDocument/2006/relationships" xmlns:p="http://schemas.openxmlformats.org/presentationml/2006/main">
   <p:cSld>
     <p:spTree>
@@ -1270,7 +1637,7 @@
 </p:notes>
 </file>
 
-<file path=ppt/notesSlides/notesSlide8.xml><?xml version="1.0" encoding="utf-8"?>
+<file path=ppt/notesSlides/notesSlide9.xml><?xml version="1.0" encoding="utf-8"?>
 <p:notes xmlns:a="http://schemas.openxmlformats.org/drawingml/2006/main" xmlns:r="http://schemas.openxmlformats.org/officeDocument/2006/relationships" xmlns:p="http://schemas.openxmlformats.org/presentationml/2006/main">
   <p:cSld>
     <p:spTree>
@@ -22526,7 +22893,19 @@
           <a:p>
             <a:r>
               <a:rPr kumimoji="1" lang="en-US" altLang="ja-JP"/>
-              <a:t>utelecon.adm.u-tokyo.ac.jp</a:t>
+              <a:t>2022</a:t>
+            </a:r>
+            <a:r>
+              <a:rPr kumimoji="1" lang="ja-JP" altLang="en-US"/>
+              <a:t>年</a:t>
+            </a:r>
+            <a:r>
+              <a:rPr kumimoji="1" lang="en-US" altLang="ja-JP"/>
+              <a:t>S</a:t>
+            </a:r>
+            <a:r>
+              <a:rPr kumimoji="1" lang="ja-JP" altLang="en-US"/>
+              <a:t>セメスター説明会</a:t>
             </a:r>
             <a:endParaRPr kumimoji="1" lang="ja-JP" altLang="en-US" dirty="0"/>
           </a:p>
@@ -22728,9 +23107,20 @@
           <a:p>
             <a:r>
               <a:rPr kumimoji="1" lang="en-US" altLang="ja-JP"/>
-              <a:t>utelecon.adm.u-tokyo.ac.jp</a:t>
+              <a:t>2022</a:t>
             </a:r>
-            <a:endParaRPr kumimoji="1" lang="ja-JP" altLang="en-US"/>
+            <a:r>
+              <a:rPr kumimoji="1" lang="ja-JP" altLang="en-US"/>
+              <a:t>年</a:t>
+            </a:r>
+            <a:r>
+              <a:rPr kumimoji="1" lang="en-US" altLang="ja-JP"/>
+              <a:t>S</a:t>
+            </a:r>
+            <a:r>
+              <a:rPr kumimoji="1" lang="ja-JP" altLang="en-US"/>
+              <a:t>セメスター説明会</a:t>
+            </a:r>
           </a:p>
         </p:txBody>
       </p:sp>
@@ -22940,9 +23330,20 @@
           <a:p>
             <a:r>
               <a:rPr kumimoji="1" lang="en-US" altLang="ja-JP"/>
-              <a:t>utelecon.adm.u-tokyo.ac.jp</a:t>
+              <a:t>2022</a:t>
             </a:r>
-            <a:endParaRPr kumimoji="1" lang="ja-JP" altLang="en-US"/>
+            <a:r>
+              <a:rPr kumimoji="1" lang="ja-JP" altLang="en-US"/>
+              <a:t>年</a:t>
+            </a:r>
+            <a:r>
+              <a:rPr kumimoji="1" lang="en-US" altLang="ja-JP"/>
+              <a:t>S</a:t>
+            </a:r>
+            <a:r>
+              <a:rPr kumimoji="1" lang="ja-JP" altLang="en-US"/>
+              <a:t>セメスター説明会</a:t>
+            </a:r>
           </a:p>
         </p:txBody>
       </p:sp>
@@ -23146,8 +23547,20 @@
           <a:lstStyle/>
           <a:p>
             <a:r>
-              <a:rPr kumimoji="1" lang="en-US" altLang="ja-JP" dirty="0"/>
-              <a:t>utelecon.adm.u-tokyo.ac.jp</a:t>
+              <a:rPr kumimoji="1" lang="en-US" altLang="ja-JP"/>
+              <a:t>2022</a:t>
+            </a:r>
+            <a:r>
+              <a:rPr kumimoji="1" lang="ja-JP" altLang="en-US"/>
+              <a:t>年</a:t>
+            </a:r>
+            <a:r>
+              <a:rPr kumimoji="1" lang="en-US" altLang="ja-JP"/>
+              <a:t>S</a:t>
+            </a:r>
+            <a:r>
+              <a:rPr kumimoji="1" lang="ja-JP" altLang="en-US"/>
+              <a:t>セメスター説明会</a:t>
             </a:r>
             <a:endParaRPr kumimoji="1" lang="ja-JP" altLang="en-US" dirty="0"/>
           </a:p>
@@ -43823,9 +44236,20 @@
           <a:p>
             <a:r>
               <a:rPr kumimoji="1" lang="en-US" altLang="ja-JP"/>
-              <a:t>utelecon.adm.u-tokyo.ac.jp</a:t>
+              <a:t>2022</a:t>
             </a:r>
-            <a:endParaRPr kumimoji="1" lang="ja-JP" altLang="en-US"/>
+            <a:r>
+              <a:rPr kumimoji="1" lang="ja-JP" altLang="en-US"/>
+              <a:t>年</a:t>
+            </a:r>
+            <a:r>
+              <a:rPr kumimoji="1" lang="en-US" altLang="ja-JP"/>
+              <a:t>S</a:t>
+            </a:r>
+            <a:r>
+              <a:rPr kumimoji="1" lang="ja-JP" altLang="en-US"/>
+              <a:t>セメスター説明会</a:t>
+            </a:r>
           </a:p>
         </p:txBody>
       </p:sp>
@@ -44757,9 +45181,20 @@
           <a:p>
             <a:r>
               <a:rPr kumimoji="1" lang="en-US" altLang="ja-JP"/>
-              <a:t>utelecon.adm.u-tokyo.ac.jp</a:t>
+              <a:t>2022</a:t>
             </a:r>
-            <a:endParaRPr kumimoji="1" lang="ja-JP" altLang="en-US"/>
+            <a:r>
+              <a:rPr kumimoji="1" lang="ja-JP" altLang="en-US"/>
+              <a:t>年</a:t>
+            </a:r>
+            <a:r>
+              <a:rPr kumimoji="1" lang="en-US" altLang="ja-JP"/>
+              <a:t>S</a:t>
+            </a:r>
+            <a:r>
+              <a:rPr kumimoji="1" lang="ja-JP" altLang="en-US"/>
+              <a:t>セメスター説明会</a:t>
+            </a:r>
           </a:p>
         </p:txBody>
       </p:sp>
@@ -45243,9 +45678,20 @@
           <a:p>
             <a:r>
               <a:rPr kumimoji="1" lang="en-US" altLang="ja-JP"/>
-              <a:t>utelecon.adm.u-tokyo.ac.jp</a:t>
+              <a:t>2022</a:t>
             </a:r>
-            <a:endParaRPr kumimoji="1" lang="ja-JP" altLang="en-US"/>
+            <a:r>
+              <a:rPr kumimoji="1" lang="ja-JP" altLang="en-US"/>
+              <a:t>年</a:t>
+            </a:r>
+            <a:r>
+              <a:rPr kumimoji="1" lang="en-US" altLang="ja-JP"/>
+              <a:t>S</a:t>
+            </a:r>
+            <a:r>
+              <a:rPr kumimoji="1" lang="ja-JP" altLang="en-US"/>
+              <a:t>セメスター説明会</a:t>
+            </a:r>
           </a:p>
         </p:txBody>
       </p:sp>
@@ -45370,9 +45816,20 @@
           <a:p>
             <a:r>
               <a:rPr kumimoji="1" lang="en-US" altLang="ja-JP"/>
-              <a:t>utelecon.adm.u-tokyo.ac.jp</a:t>
+              <a:t>2022</a:t>
             </a:r>
-            <a:endParaRPr kumimoji="1" lang="ja-JP" altLang="en-US"/>
+            <a:r>
+              <a:rPr kumimoji="1" lang="ja-JP" altLang="en-US"/>
+              <a:t>年</a:t>
+            </a:r>
+            <a:r>
+              <a:rPr kumimoji="1" lang="en-US" altLang="ja-JP"/>
+              <a:t>S</a:t>
+            </a:r>
+            <a:r>
+              <a:rPr kumimoji="1" lang="ja-JP" altLang="en-US"/>
+              <a:t>セメスター説明会</a:t>
+            </a:r>
           </a:p>
         </p:txBody>
       </p:sp>
@@ -45465,9 +45922,20 @@
           <a:p>
             <a:r>
               <a:rPr kumimoji="1" lang="en-US" altLang="ja-JP"/>
-              <a:t>utelecon.adm.u-tokyo.ac.jp</a:t>
+              <a:t>2022</a:t>
             </a:r>
-            <a:endParaRPr kumimoji="1" lang="ja-JP" altLang="en-US"/>
+            <a:r>
+              <a:rPr kumimoji="1" lang="ja-JP" altLang="en-US"/>
+              <a:t>年</a:t>
+            </a:r>
+            <a:r>
+              <a:rPr kumimoji="1" lang="en-US" altLang="ja-JP"/>
+              <a:t>S</a:t>
+            </a:r>
+            <a:r>
+              <a:rPr kumimoji="1" lang="ja-JP" altLang="en-US"/>
+              <a:t>セメスター説明会</a:t>
+            </a:r>
           </a:p>
         </p:txBody>
       </p:sp>
@@ -45835,9 +46303,20 @@
           <a:p>
             <a:r>
               <a:rPr kumimoji="1" lang="en-US" altLang="ja-JP"/>
-              <a:t>utelecon.adm.u-tokyo.ac.jp</a:t>
+              <a:t>2022</a:t>
             </a:r>
-            <a:endParaRPr kumimoji="1" lang="ja-JP" altLang="en-US"/>
+            <a:r>
+              <a:rPr kumimoji="1" lang="ja-JP" altLang="en-US"/>
+              <a:t>年</a:t>
+            </a:r>
+            <a:r>
+              <a:rPr kumimoji="1" lang="en-US" altLang="ja-JP"/>
+              <a:t>S</a:t>
+            </a:r>
+            <a:r>
+              <a:rPr kumimoji="1" lang="ja-JP" altLang="en-US"/>
+              <a:t>セメスター説明会</a:t>
+            </a:r>
           </a:p>
         </p:txBody>
       </p:sp>
@@ -46178,9 +46657,20 @@
           <a:p>
             <a:r>
               <a:rPr kumimoji="1" lang="en-US" altLang="ja-JP"/>
-              <a:t>utelecon.adm.u-tokyo.ac.jp</a:t>
+              <a:t>2022</a:t>
             </a:r>
-            <a:endParaRPr kumimoji="1" lang="ja-JP" altLang="en-US"/>
+            <a:r>
+              <a:rPr kumimoji="1" lang="ja-JP" altLang="en-US"/>
+              <a:t>年</a:t>
+            </a:r>
+            <a:r>
+              <a:rPr kumimoji="1" lang="en-US" altLang="ja-JP"/>
+              <a:t>S</a:t>
+            </a:r>
+            <a:r>
+              <a:rPr kumimoji="1" lang="ja-JP" altLang="en-US"/>
+              <a:t>セメスター説明会</a:t>
+            </a:r>
           </a:p>
         </p:txBody>
       </p:sp>
@@ -52696,7 +53186,19 @@
           <a:p>
             <a:r>
               <a:rPr kumimoji="1" lang="en-US" altLang="ja-JP"/>
-              <a:t>utelecon.adm.u-tokyo.ac.jp</a:t>
+              <a:t>2022</a:t>
+            </a:r>
+            <a:r>
+              <a:rPr kumimoji="1" lang="ja-JP" altLang="en-US"/>
+              <a:t>年</a:t>
+            </a:r>
+            <a:r>
+              <a:rPr kumimoji="1" lang="en-US" altLang="ja-JP"/>
+              <a:t>S</a:t>
+            </a:r>
+            <a:r>
+              <a:rPr kumimoji="1" lang="ja-JP" altLang="en-US"/>
+              <a:t>セメスター説明会</a:t>
             </a:r>
             <a:endParaRPr kumimoji="1" lang="ja-JP" altLang="en-US" dirty="0"/>
           </a:p>
@@ -53118,7 +53620,7 @@
           <a:p>
             <a:pPr algn="l"/>
             <a:r>
-              <a:rPr lang="ja-JP" altLang="en-US">
+              <a:rPr lang="en-US" altLang="ja-JP" dirty="0" err="1">
                 <a:solidFill>
                   <a:schemeClr val="tx1">
                     <a:lumMod val="75000"/>
@@ -53128,7 +53630,33 @@
                 <a:effectLst/>
                 <a:latin typeface="+mj-ea"/>
               </a:rPr>
-              <a:t>教育研究における</a:t>
+              <a:t>u</a:t>
+            </a:r>
+            <a:r>
+              <a:rPr kumimoji="1" lang="en-US" altLang="ja-JP" dirty="0" err="1">
+                <a:solidFill>
+                  <a:schemeClr val="tx1">
+                    <a:lumMod val="75000"/>
+                    <a:lumOff val="25000"/>
+                  </a:schemeClr>
+                </a:solidFill>
+                <a:effectLst/>
+                <a:latin typeface="+mj-ea"/>
+              </a:rPr>
+              <a:t>telecon</a:t>
+            </a:r>
+            <a:r>
+              <a:rPr kumimoji="1" lang="ja-JP" altLang="en-US">
+                <a:solidFill>
+                  <a:schemeClr val="tx1">
+                    <a:lumMod val="75000"/>
+                    <a:lumOff val="25000"/>
+                  </a:schemeClr>
+                </a:solidFill>
+                <a:effectLst/>
+                <a:latin typeface="+mj-ea"/>
+              </a:rPr>
+              <a:t>と</a:t>
             </a:r>
             <a:br>
               <a:rPr lang="en-US" altLang="ja-JP" dirty="0">
@@ -53153,33 +53681,7 @@
                 <a:effectLst/>
                 <a:latin typeface="+mj-ea"/>
               </a:rPr>
-              <a:t>一歩進んだ</a:t>
-            </a:r>
-            <a:r>
-              <a:rPr lang="en" altLang="ja-JP" dirty="0">
-                <a:solidFill>
-                  <a:schemeClr val="tx1">
-                    <a:lumMod val="75000"/>
-                    <a:lumOff val="25000"/>
-                  </a:schemeClr>
-                </a:solidFill>
-                <a:effectLst/>
-                <a:latin typeface="+mj-ea"/>
-              </a:rPr>
-              <a:t>ICT</a:t>
-            </a:r>
-            <a:r>
-              <a:rPr lang="ja-JP" altLang="en-US">
-                <a:solidFill>
-                  <a:schemeClr val="tx1">
-                    <a:lumMod val="75000"/>
-                    <a:lumOff val="25000"/>
-                  </a:schemeClr>
-                </a:solidFill>
-                <a:effectLst/>
-                <a:latin typeface="+mj-ea"/>
-              </a:rPr>
-              <a:t>活用に向けて</a:t>
+              <a:t>学生によるサポート体制</a:t>
             </a:r>
             <a:endParaRPr kumimoji="1" lang="ja-JP" altLang="en-US" dirty="0">
               <a:solidFill>
@@ -53550,29 +54052,7 @@
                   </a:schemeClr>
                 </a:solidFill>
               </a:rPr>
-              <a:t>（発展途上気味</a:t>
-            </a:r>
-            <a:r>
-              <a:rPr lang="en-US" altLang="ja-JP" sz="2400" dirty="0">
-                <a:solidFill>
-                  <a:schemeClr val="tx1">
-                    <a:lumMod val="65000"/>
-                    <a:lumOff val="35000"/>
-                  </a:schemeClr>
-                </a:solidFill>
-              </a:rPr>
-              <a:t>……</a:t>
-            </a:r>
-            <a:r>
-              <a:rPr lang="ja-JP" altLang="en-US" sz="2400">
-                <a:solidFill>
-                  <a:schemeClr val="tx1">
-                    <a:lumMod val="65000"/>
-                    <a:lumOff val="35000"/>
-                  </a:schemeClr>
-                </a:solidFill>
-              </a:rPr>
-              <a:t>今後より充実させる方針です）</a:t>
+              <a:t>（まだ発展途上、今後より充実させる方針です）</a:t>
             </a:r>
             <a:endParaRPr lang="en-US" altLang="ja-JP" sz="2400" dirty="0">
               <a:solidFill>
@@ -54359,7 +54839,7 @@
         </p:nvSpPr>
         <p:spPr>
           <a:xfrm>
-            <a:off x="457200" y="1500174"/>
+            <a:off x="457200" y="1419842"/>
             <a:ext cx="8363272" cy="4525963"/>
           </a:xfrm>
         </p:spPr>
@@ -54370,7 +54850,7 @@
           <a:lstStyle/>
           <a:p>
             <a:r>
-              <a:rPr lang="en-US" altLang="ja-JP" dirty="0" err="1">
+              <a:rPr lang="en-US" altLang="ja-JP" sz="2400" dirty="0" err="1">
                 <a:solidFill>
                   <a:schemeClr val="tx1">
                     <a:lumMod val="65000"/>
@@ -54381,7 +54861,7 @@
               <a:t>utelecon</a:t>
             </a:r>
             <a:r>
-              <a:rPr lang="ja-JP" altLang="en-US">
+              <a:rPr lang="ja-JP" altLang="en-US" sz="2400">
                 <a:solidFill>
                   <a:schemeClr val="tx1">
                     <a:lumMod val="65000"/>
@@ -54391,7 +54871,7 @@
               </a:rPr>
               <a:t>には英語版ページもあります</a:t>
             </a:r>
-            <a:endParaRPr lang="en-US" altLang="ja-JP" dirty="0">
+            <a:endParaRPr lang="en-US" altLang="ja-JP" sz="2400" dirty="0">
               <a:solidFill>
                 <a:schemeClr val="tx1">
                   <a:lumMod val="65000"/>
@@ -54402,7 +54882,72 @@
           </a:p>
           <a:p>
             <a:r>
-              <a:rPr lang="ja-JP" altLang="en-US">
+              <a:rPr lang="ja-JP" altLang="en-US" sz="2400">
+                <a:solidFill>
+                  <a:schemeClr val="tx1">
+                    <a:lumMod val="65000"/>
+                    <a:lumOff val="35000"/>
+                  </a:schemeClr>
+                </a:solidFill>
+              </a:rPr>
+              <a:t>検索窓もあります</a:t>
+            </a:r>
+            <a:r>
+              <a:rPr lang="ja-JP" altLang="en-US" sz="2000">
+                <a:solidFill>
+                  <a:schemeClr val="tx1">
+                    <a:lumMod val="65000"/>
+                    <a:lumOff val="35000"/>
+                  </a:schemeClr>
+                </a:solidFill>
+              </a:rPr>
+              <a:t>（</a:t>
+            </a:r>
+            <a:r>
+              <a:rPr lang="en-US" altLang="ja-JP" sz="2000">
+                <a:solidFill>
+                  <a:schemeClr val="tx1">
+                    <a:lumMod val="65000"/>
+                    <a:lumOff val="35000"/>
+                  </a:schemeClr>
+                </a:solidFill>
+              </a:rPr>
+              <a:t>※</a:t>
+            </a:r>
+            <a:r>
+              <a:rPr lang="en-US" altLang="ja-JP" sz="2000" dirty="0" err="1">
+                <a:solidFill>
+                  <a:schemeClr val="tx1">
+                    <a:lumMod val="65000"/>
+                    <a:lumOff val="35000"/>
+                  </a:schemeClr>
+                </a:solidFill>
+              </a:rPr>
+              <a:t>utelecon</a:t>
+            </a:r>
+            <a:r>
+              <a:rPr lang="ja-JP" altLang="en-US" sz="2000">
+                <a:solidFill>
+                  <a:schemeClr val="tx1">
+                    <a:lumMod val="65000"/>
+                    <a:lumOff val="35000"/>
+                  </a:schemeClr>
+                </a:solidFill>
+              </a:rPr>
+              <a:t>以外の東大ページも出てくる）</a:t>
+            </a:r>
+            <a:endParaRPr lang="en-US" altLang="ja-JP" sz="2400" dirty="0">
+              <a:solidFill>
+                <a:schemeClr val="tx1">
+                  <a:lumMod val="65000"/>
+                  <a:lumOff val="35000"/>
+                </a:schemeClr>
+              </a:solidFill>
+            </a:endParaRPr>
+          </a:p>
+          <a:p>
+            <a:r>
+              <a:rPr lang="ja-JP" altLang="en-US" sz="2400">
                 <a:solidFill>
                   <a:schemeClr val="tx1">
                     <a:lumMod val="65000"/>
@@ -54412,7 +54957,7 @@
               </a:rPr>
               <a:t>気になる点があればぜひフィードバックを</a:t>
             </a:r>
-            <a:endParaRPr lang="en-US" altLang="ja-JP" dirty="0">
+            <a:endParaRPr lang="en-US" altLang="ja-JP" sz="2400" dirty="0">
               <a:solidFill>
                 <a:schemeClr val="tx1">
                   <a:lumMod val="65000"/>
@@ -54565,8 +55110,8 @@
         </p:nvSpPr>
         <p:spPr>
           <a:xfrm>
-            <a:off x="8365218" y="2610664"/>
-            <a:ext cx="775773" cy="525613"/>
+            <a:off x="8427128" y="2718771"/>
+            <a:ext cx="713863" cy="359757"/>
           </a:xfrm>
           <a:prstGeom prst="ellipse">
             <a:avLst/>
@@ -54662,6 +55207,63 @@
           <a:p>
             <a:pPr algn="ctr"/>
             <a:endParaRPr kumimoji="1" lang="ja-JP" altLang="en-US"/>
+          </a:p>
+        </p:txBody>
+      </p:sp>
+      <p:sp>
+        <p:nvSpPr>
+          <p:cNvPr id="10" name="円/楕円 9">
+            <a:extLst>
+              <a:ext uri="{FF2B5EF4-FFF2-40B4-BE49-F238E27FC236}">
+                <a16:creationId xmlns:a16="http://schemas.microsoft.com/office/drawing/2014/main" id="{D23CFCAD-C8B3-DA4F-AC61-C28822405064}"/>
+              </a:ext>
+            </a:extLst>
+          </p:cNvPr>
+          <p:cNvSpPr/>
+          <p:nvPr/>
+        </p:nvSpPr>
+        <p:spPr>
+          <a:xfrm>
+            <a:off x="6906137" y="2648967"/>
+            <a:ext cx="1200472" cy="429561"/>
+          </a:xfrm>
+          <a:prstGeom prst="ellipse">
+            <a:avLst/>
+          </a:prstGeom>
+          <a:solidFill>
+            <a:schemeClr val="accent1">
+              <a:tint val="100000"/>
+              <a:alpha val="0"/>
+            </a:schemeClr>
+          </a:solidFill>
+          <a:ln w="25400">
+            <a:solidFill>
+              <a:schemeClr val="accent6"/>
+            </a:solidFill>
+          </a:ln>
+        </p:spPr>
+        <p:style>
+          <a:lnRef idx="2">
+            <a:schemeClr val="accent1">
+              <a:shade val="50000"/>
+            </a:schemeClr>
+          </a:lnRef>
+          <a:fillRef idx="1">
+            <a:schemeClr val="accent1"/>
+          </a:fillRef>
+          <a:effectRef idx="0">
+            <a:schemeClr val="accent1"/>
+          </a:effectRef>
+          <a:fontRef idx="minor">
+            <a:schemeClr val="lt1"/>
+          </a:fontRef>
+        </p:style>
+        <p:txBody>
+          <a:bodyPr rtlCol="0" anchor="ctr"/>
+          <a:lstStyle/>
+          <a:p>
+            <a:pPr algn="ctr"/>
+            <a:endParaRPr kumimoji="1" lang="ja-JP" altLang="en-US" b="1"/>
           </a:p>
         </p:txBody>
       </p:sp>
@@ -56693,7 +57295,7 @@
         </p:nvSpPr>
         <p:spPr>
           <a:xfrm>
-            <a:off x="457200" y="1500174"/>
+            <a:off x="179512" y="1500174"/>
             <a:ext cx="8291264" cy="4856176"/>
           </a:xfrm>
         </p:spPr>
@@ -57915,11 +58517,13 @@
           </a:ln>
         </p:spPr>
         <p:txBody>
-          <a:bodyPr/>
+          <a:bodyPr>
+            <a:normAutofit/>
+          </a:bodyPr>
           <a:lstStyle/>
           <a:p>
             <a:r>
-              <a:rPr lang="en-US" altLang="ja-JP" dirty="0" err="1">
+              <a:rPr lang="en-US" altLang="ja-JP" sz="4000" dirty="0" err="1">
                 <a:solidFill>
                   <a:schemeClr val="tx1">
                     <a:lumMod val="65000"/>
@@ -57932,7 +58536,7 @@
               <a:t>u</a:t>
             </a:r>
             <a:r>
-              <a:rPr kumimoji="1" lang="en-US" altLang="ja-JP" dirty="0" err="1">
+              <a:rPr kumimoji="1" lang="en-US" altLang="ja-JP" sz="4000" dirty="0" err="1">
                 <a:solidFill>
                   <a:schemeClr val="tx1">
                     <a:lumMod val="65000"/>
@@ -57945,7 +58549,7 @@
               <a:t>telecon</a:t>
             </a:r>
             <a:r>
-              <a:rPr kumimoji="1" lang="ja-JP" altLang="en-US">
+              <a:rPr kumimoji="1" lang="ja-JP" altLang="en-US" sz="4000">
                 <a:solidFill>
                   <a:schemeClr val="tx1">
                     <a:lumMod val="65000"/>
@@ -57957,7 +58561,7 @@
               </a:rPr>
               <a:t>（ユーテレコン）とは</a:t>
             </a:r>
-            <a:endParaRPr kumimoji="1" lang="ja-JP" altLang="en-US" dirty="0">
+            <a:endParaRPr kumimoji="1" lang="ja-JP" altLang="en-US" sz="4000" dirty="0">
               <a:solidFill>
                 <a:schemeClr val="tx1">
                   <a:lumMod val="65000"/>
@@ -58138,7 +58742,7 @@
           <a:lstStyle/>
           <a:p>
             <a:r>
-              <a:rPr kumimoji="1" lang="en-US" altLang="ja-JP" dirty="0"/>
+              <a:rPr kumimoji="1" lang="en-US" altLang="ja-JP"/>
               <a:t>2022/3/16</a:t>
             </a:r>
             <a:endParaRPr kumimoji="1" lang="ja-JP" altLang="en-US"/>
@@ -58221,11 +58825,13 @@
           </a:ln>
         </p:spPr>
         <p:txBody>
-          <a:bodyPr/>
+          <a:bodyPr>
+            <a:normAutofit/>
+          </a:bodyPr>
           <a:lstStyle/>
           <a:p>
             <a:r>
-              <a:rPr kumimoji="1" lang="en-US" altLang="ja-JP" dirty="0" err="1">
+              <a:rPr kumimoji="1" lang="en-US" altLang="ja-JP" sz="4000" dirty="0" err="1">
                 <a:solidFill>
                   <a:schemeClr val="tx1">
                     <a:lumMod val="65000"/>
@@ -58238,7 +58844,7 @@
               <a:t>utelecon</a:t>
             </a:r>
             <a:r>
-              <a:rPr lang="ja-JP" altLang="en-US">
+              <a:rPr lang="ja-JP" altLang="en-US" sz="4000">
                 <a:solidFill>
                   <a:schemeClr val="tx1">
                     <a:lumMod val="65000"/>
@@ -58250,7 +58856,7 @@
               </a:rPr>
               <a:t>のコンテンツ</a:t>
             </a:r>
-            <a:endParaRPr kumimoji="1" lang="ja-JP" altLang="en-US" dirty="0">
+            <a:endParaRPr kumimoji="1" lang="ja-JP" altLang="en-US" sz="4000" dirty="0">
               <a:solidFill>
                 <a:schemeClr val="tx1">
                   <a:lumMod val="65000"/>
@@ -58322,7 +58928,7 @@
           <a:lstStyle/>
           <a:p>
             <a:r>
-              <a:rPr kumimoji="1" lang="en-US" altLang="ja-JP" dirty="0"/>
+              <a:rPr kumimoji="1" lang="en-US" altLang="ja-JP"/>
               <a:t>2022/3/16</a:t>
             </a:r>
             <a:endParaRPr kumimoji="1" lang="ja-JP" altLang="en-US"/>
@@ -58374,7 +58980,7 @@
           <p:nvPr/>
         </p:nvPicPr>
         <p:blipFill>
-          <a:blip r:embed="rId2">
+          <a:blip r:embed="rId3">
             <a:extLst>
               <a:ext uri="{28A0092B-C50C-407E-A947-70E740481C1C}">
                 <a14:useLocalDpi xmlns:a14="http://schemas.microsoft.com/office/drawing/2010/main" val="0"/>

--- a/events/2022-03-16/slides/05-utelecon_and_supporters.pptx
+++ b/events/2022-03-16/slides/05-utelecon_and_supporters.pptx
@@ -173,7 +173,7 @@
 <file path=ppt/revisionInfo.xml><?xml version="1.0" encoding="utf-8"?>
 <p1510:revInfo xmlns:a="http://schemas.openxmlformats.org/drawingml/2006/main" xmlns:r="http://schemas.openxmlformats.org/officeDocument/2006/relationships" xmlns:p1510="http://schemas.microsoft.com/office/powerpoint/2015/10/main">
   <p1510:revLst>
-    <p1510:client id="{18CE503D-6DF3-DD4B-BADD-B1E450614FBD}" v="83" dt="2022-03-14T03:17:06.907"/>
+    <p1510:client id="{18CE503D-6DF3-DD4B-BADD-B1E450614FBD}" v="95" dt="2022-03-16T04:26:29.483"/>
   </p1510:revLst>
 </p1510:revInfo>
 </file>
@@ -183,7 +183,7 @@
   <pc:docChgLst>
     <pc:chgData name="鈴木　亘" userId="0c5a9354-afc0-4bd2-8c92-689493350a06" providerId="ADAL" clId="{18CE503D-6DF3-DD4B-BADD-B1E450614FBD}"/>
     <pc:docChg chg="undo custSel modSld">
-      <pc:chgData name="鈴木　亘" userId="0c5a9354-afc0-4bd2-8c92-689493350a06" providerId="ADAL" clId="{18CE503D-6DF3-DD4B-BADD-B1E450614FBD}" dt="2022-03-14T03:45:50.901" v="869" actId="20577"/>
+      <pc:chgData name="鈴木　亘" userId="0c5a9354-afc0-4bd2-8c92-689493350a06" providerId="ADAL" clId="{18CE503D-6DF3-DD4B-BADD-B1E450614FBD}" dt="2022-03-16T04:26:29.483" v="1103" actId="1076"/>
       <pc:docMkLst>
         <pc:docMk/>
       </pc:docMkLst>
@@ -203,13 +203,13 @@
         </pc:spChg>
       </pc:sldChg>
       <pc:sldChg chg="addSp delSp modSp mod">
-        <pc:chgData name="鈴木　亘" userId="0c5a9354-afc0-4bd2-8c92-689493350a06" providerId="ADAL" clId="{18CE503D-6DF3-DD4B-BADD-B1E450614FBD}" dt="2022-03-14T03:03:20.101" v="717"/>
+        <pc:chgData name="鈴木　亘" userId="0c5a9354-afc0-4bd2-8c92-689493350a06" providerId="ADAL" clId="{18CE503D-6DF3-DD4B-BADD-B1E450614FBD}" dt="2022-03-16T03:01:03.721" v="1035" actId="20577"/>
         <pc:sldMkLst>
           <pc:docMk/>
           <pc:sldMk cId="0" sldId="257"/>
         </pc:sldMkLst>
         <pc:spChg chg="mod">
-          <ac:chgData name="鈴木　亘" userId="0c5a9354-afc0-4bd2-8c92-689493350a06" providerId="ADAL" clId="{18CE503D-6DF3-DD4B-BADD-B1E450614FBD}" dt="2022-03-12T06:04:33.550" v="597" actId="20577"/>
+          <ac:chgData name="鈴木　亘" userId="0c5a9354-afc0-4bd2-8c92-689493350a06" providerId="ADAL" clId="{18CE503D-6DF3-DD4B-BADD-B1E450614FBD}" dt="2022-03-16T03:01:03.721" v="1035" actId="20577"/>
           <ac:spMkLst>
             <pc:docMk/>
             <pc:sldMk cId="0" sldId="257"/>
@@ -225,8 +225,8 @@
           </ac:spMkLst>
         </pc:spChg>
       </pc:sldChg>
-      <pc:sldChg chg="addSp delSp modSp">
-        <pc:chgData name="鈴木　亘" userId="0c5a9354-afc0-4bd2-8c92-689493350a06" providerId="ADAL" clId="{18CE503D-6DF3-DD4B-BADD-B1E450614FBD}" dt="2022-03-14T03:03:20.101" v="717"/>
+      <pc:sldChg chg="addSp delSp modSp modNotesTx">
+        <pc:chgData name="鈴木　亘" userId="0c5a9354-afc0-4bd2-8c92-689493350a06" providerId="ADAL" clId="{18CE503D-6DF3-DD4B-BADD-B1E450614FBD}" dt="2022-03-16T02:21:06.375" v="1011" actId="20577"/>
         <pc:sldMkLst>
           <pc:docMk/>
           <pc:sldMk cId="0" sldId="365"/>
@@ -285,8 +285,8 @@
           </ac:spMkLst>
         </pc:spChg>
       </pc:sldChg>
-      <pc:sldChg chg="addSp delSp modSp">
-        <pc:chgData name="鈴木　亘" userId="0c5a9354-afc0-4bd2-8c92-689493350a06" providerId="ADAL" clId="{18CE503D-6DF3-DD4B-BADD-B1E450614FBD}" dt="2022-03-14T03:03:20.101" v="717"/>
+      <pc:sldChg chg="addSp delSp modSp modNotesTx">
+        <pc:chgData name="鈴木　亘" userId="0c5a9354-afc0-4bd2-8c92-689493350a06" providerId="ADAL" clId="{18CE503D-6DF3-DD4B-BADD-B1E450614FBD}" dt="2022-03-16T02:21:34.770" v="1019" actId="20577"/>
         <pc:sldMkLst>
           <pc:docMk/>
           <pc:sldMk cId="751778923" sldId="369"/>
@@ -353,12 +353,20 @@
           </ac:spMkLst>
         </pc:spChg>
       </pc:sldChg>
-      <pc:sldChg chg="addSp delSp modSp">
-        <pc:chgData name="鈴木　亘" userId="0c5a9354-afc0-4bd2-8c92-689493350a06" providerId="ADAL" clId="{18CE503D-6DF3-DD4B-BADD-B1E450614FBD}" dt="2022-03-14T03:03:20.101" v="717"/>
+      <pc:sldChg chg="addSp delSp modSp mod modNotesTx">
+        <pc:chgData name="鈴木　亘" userId="0c5a9354-afc0-4bd2-8c92-689493350a06" providerId="ADAL" clId="{18CE503D-6DF3-DD4B-BADD-B1E450614FBD}" dt="2022-03-16T04:05:14.580" v="1064" actId="255"/>
         <pc:sldMkLst>
           <pc:docMk/>
           <pc:sldMk cId="3488056291" sldId="373"/>
         </pc:sldMkLst>
+        <pc:spChg chg="mod">
+          <ac:chgData name="鈴木　亘" userId="0c5a9354-afc0-4bd2-8c92-689493350a06" providerId="ADAL" clId="{18CE503D-6DF3-DD4B-BADD-B1E450614FBD}" dt="2022-03-16T04:05:14.580" v="1064" actId="255"/>
+          <ac:spMkLst>
+            <pc:docMk/>
+            <pc:sldMk cId="3488056291" sldId="373"/>
+            <ac:spMk id="3" creationId="{00000000-0000-0000-0000-000000000000}"/>
+          </ac:spMkLst>
+        </pc:spChg>
         <pc:spChg chg="add del mod">
           <ac:chgData name="鈴木　亘" userId="0c5a9354-afc0-4bd2-8c92-689493350a06" providerId="ADAL" clId="{18CE503D-6DF3-DD4B-BADD-B1E450614FBD}" dt="2022-03-14T03:03:20.101" v="717"/>
           <ac:spMkLst>
@@ -368,8 +376,8 @@
           </ac:spMkLst>
         </pc:spChg>
       </pc:sldChg>
-      <pc:sldChg chg="addSp delSp modSp">
-        <pc:chgData name="鈴木　亘" userId="0c5a9354-afc0-4bd2-8c92-689493350a06" providerId="ADAL" clId="{18CE503D-6DF3-DD4B-BADD-B1E450614FBD}" dt="2022-03-14T03:03:20.101" v="717"/>
+      <pc:sldChg chg="addSp delSp modSp modNotesTx">
+        <pc:chgData name="鈴木　亘" userId="0c5a9354-afc0-4bd2-8c92-689493350a06" providerId="ADAL" clId="{18CE503D-6DF3-DD4B-BADD-B1E450614FBD}" dt="2022-03-16T02:20:52.086" v="999" actId="20577"/>
         <pc:sldMkLst>
           <pc:docMk/>
           <pc:sldMk cId="4273095684" sldId="374"/>
@@ -384,13 +392,13 @@
         </pc:spChg>
       </pc:sldChg>
       <pc:sldChg chg="addSp delSp modSp mod">
-        <pc:chgData name="鈴木　亘" userId="0c5a9354-afc0-4bd2-8c92-689493350a06" providerId="ADAL" clId="{18CE503D-6DF3-DD4B-BADD-B1E450614FBD}" dt="2022-03-14T03:09:40.804" v="730" actId="20577"/>
+        <pc:chgData name="鈴木　亘" userId="0c5a9354-afc0-4bd2-8c92-689493350a06" providerId="ADAL" clId="{18CE503D-6DF3-DD4B-BADD-B1E450614FBD}" dt="2022-03-16T04:26:29.483" v="1103" actId="1076"/>
         <pc:sldMkLst>
           <pc:docMk/>
           <pc:sldMk cId="2548137959" sldId="375"/>
         </pc:sldMkLst>
         <pc:spChg chg="mod">
-          <ac:chgData name="鈴木　亘" userId="0c5a9354-afc0-4bd2-8c92-689493350a06" providerId="ADAL" clId="{18CE503D-6DF3-DD4B-BADD-B1E450614FBD}" dt="2022-03-14T03:09:40.804" v="730" actId="20577"/>
+          <ac:chgData name="鈴木　亘" userId="0c5a9354-afc0-4bd2-8c92-689493350a06" providerId="ADAL" clId="{18CE503D-6DF3-DD4B-BADD-B1E450614FBD}" dt="2022-03-16T04:26:25.509" v="1102" actId="20577"/>
           <ac:spMkLst>
             <pc:docMk/>
             <pc:sldMk cId="2548137959" sldId="375"/>
@@ -405,9 +413,17 @@
             <ac:spMk id="6" creationId="{094914FD-9A22-B546-A562-2F06CEF5C511}"/>
           </ac:spMkLst>
         </pc:spChg>
+        <pc:picChg chg="mod">
+          <ac:chgData name="鈴木　亘" userId="0c5a9354-afc0-4bd2-8c92-689493350a06" providerId="ADAL" clId="{18CE503D-6DF3-DD4B-BADD-B1E450614FBD}" dt="2022-03-16T04:26:29.483" v="1103" actId="1076"/>
+          <ac:picMkLst>
+            <pc:docMk/>
+            <pc:sldMk cId="2548137959" sldId="375"/>
+            <ac:picMk id="1026" creationId="{76DA74DB-763C-E648-AA07-392C18AABBFB}"/>
+          </ac:picMkLst>
+        </pc:picChg>
       </pc:sldChg>
-      <pc:sldChg chg="addSp delSp modSp mod">
-        <pc:chgData name="鈴木　亘" userId="0c5a9354-afc0-4bd2-8c92-689493350a06" providerId="ADAL" clId="{18CE503D-6DF3-DD4B-BADD-B1E450614FBD}" dt="2022-03-14T03:45:50.901" v="869" actId="20577"/>
+      <pc:sldChg chg="addSp delSp modSp mod modNotesTx">
+        <pc:chgData name="鈴木　亘" userId="0c5a9354-afc0-4bd2-8c92-689493350a06" providerId="ADAL" clId="{18CE503D-6DF3-DD4B-BADD-B1E450614FBD}" dt="2022-03-16T02:20:58.473" v="1000" actId="20577"/>
         <pc:sldMkLst>
           <pc:docMk/>
           <pc:sldMk cId="2370472500" sldId="376"/>
@@ -602,7 +618,7 @@
             <a:fld id="{35305EB0-020F-4995-961E-A35B2BB78D2B}" type="datetimeFigureOut">
               <a:rPr kumimoji="1" lang="ja-JP" altLang="en-US" smtClean="0"/>
               <a:pPr/>
-              <a:t>2022/3/14</a:t>
+              <a:t>2022/3/16</a:t>
             </a:fld>
             <a:endParaRPr kumimoji="1" lang="ja-JP" altLang="en-US"/>
           </a:p>
@@ -1028,49 +1044,7 @@
           <a:bodyPr/>
           <a:lstStyle/>
           <a:p>
-            <a:r>
-              <a:rPr kumimoji="1" lang="en" altLang="ja-JP" dirty="0"/>
-              <a:t>https://</a:t>
-            </a:r>
-            <a:r>
-              <a:rPr kumimoji="1" lang="en" altLang="ja-JP" dirty="0" err="1"/>
-              <a:t>utelecon.adm.u-tokyo.ac.jp</a:t>
-            </a:r>
-            <a:r>
-              <a:rPr kumimoji="1" lang="en" altLang="ja-JP" dirty="0"/>
-              <a:t>/</a:t>
-            </a:r>
-          </a:p>
-          <a:p>
-            <a:pPr marL="0" marR="0" lvl="0" indent="0" algn="l" defTabSz="914400" rtl="0" eaLnBrk="1" fontAlgn="auto" latinLnBrk="0" hangingPunct="1">
-              <a:lnSpc>
-                <a:spcPct val="100000"/>
-              </a:lnSpc>
-              <a:spcBef>
-                <a:spcPts val="0"/>
-              </a:spcBef>
-              <a:spcAft>
-                <a:spcPts val="0"/>
-              </a:spcAft>
-              <a:buClrTx/>
-              <a:buSzTx/>
-              <a:buFontTx/>
-              <a:buNone/>
-              <a:tabLst/>
-              <a:defRPr/>
-            </a:pPr>
-            <a:r>
-              <a:rPr kumimoji="1" lang="ja-JP" altLang="en-US"/>
-              <a:t>あるいは</a:t>
-            </a:r>
-            <a:r>
-              <a:rPr kumimoji="1" lang="en-US" altLang="ja-JP" dirty="0" err="1"/>
-              <a:t>utelecon</a:t>
-            </a:r>
-            <a:r>
-              <a:rPr kumimoji="1" lang="ja-JP" altLang="en-US"/>
-              <a:t>で検索</a:t>
-            </a:r>
+            <a:endParaRPr kumimoji="1" lang="ja-JP" altLang="en-US"/>
           </a:p>
         </p:txBody>
       </p:sp>
@@ -1325,10 +1299,6 @@
           <a:bodyPr/>
           <a:lstStyle/>
           <a:p>
-            <a:r>
-              <a:rPr kumimoji="1" lang="ja-JP" altLang="en-US"/>
-              <a:t>実際に見てみる</a:t>
-            </a:r>
             <a:endParaRPr kumimoji="1" lang="en" altLang="ja-JP" dirty="0"/>
           </a:p>
         </p:txBody>
@@ -1503,10 +1473,6 @@
           <a:bodyPr/>
           <a:lstStyle/>
           <a:p>
-            <a:r>
-              <a:rPr kumimoji="1" lang="ja-JP" altLang="en-US"/>
-              <a:t>他からもアクセスできる</a:t>
-            </a:r>
             <a:endParaRPr kumimoji="1" lang="en" altLang="ja-JP" dirty="0"/>
           </a:p>
         </p:txBody>
@@ -1592,10 +1558,6 @@
           <a:bodyPr/>
           <a:lstStyle/>
           <a:p>
-            <a:r>
-              <a:rPr kumimoji="1" lang="ja-JP" altLang="en-US"/>
-              <a:t>他からもアクセスできる</a:t>
-            </a:r>
             <a:endParaRPr kumimoji="1" lang="en" altLang="ja-JP" dirty="0"/>
           </a:p>
         </p:txBody>
@@ -1681,10 +1643,7 @@
           <a:bodyPr/>
           <a:lstStyle/>
           <a:p>
-            <a:r>
-              <a:rPr kumimoji="1" lang="ja-JP" altLang="en-US"/>
-              <a:t>柴山先生のスライド参照</a:t>
-            </a:r>
+            <a:endParaRPr kumimoji="1" lang="ja-JP" altLang="en-US"/>
           </a:p>
         </p:txBody>
       </p:sp>
@@ -53923,7 +53882,7 @@
           <a:p>
             <a:pPr lvl="1"/>
             <a:r>
-              <a:rPr lang="ja-JP" altLang="en-US">
+              <a:rPr lang="ja-JP" altLang="en-US" sz="2400">
                 <a:solidFill>
                   <a:schemeClr val="tx1">
                     <a:lumMod val="65000"/>
@@ -53934,7 +53893,7 @@
               <a:t>オンライン／ハイブリッド／対面の授業で</a:t>
             </a:r>
             <a:br>
-              <a:rPr lang="en-US" altLang="ja-JP" dirty="0">
+              <a:rPr lang="en-US" altLang="ja-JP" sz="2400" dirty="0">
                 <a:solidFill>
                   <a:schemeClr val="tx1">
                     <a:lumMod val="65000"/>
@@ -53944,7 +53903,7 @@
               </a:rPr>
             </a:br>
             <a:r>
-              <a:rPr lang="ja-JP" altLang="en-US">
+              <a:rPr lang="ja-JP" altLang="en-US" sz="2400">
                 <a:solidFill>
                   <a:schemeClr val="tx1">
                     <a:lumMod val="65000"/>
@@ -53954,7 +53913,7 @@
               </a:rPr>
               <a:t>発展的な工夫をしたいときのポイント・コツを紹介</a:t>
             </a:r>
-            <a:endParaRPr lang="en-US" altLang="ja-JP" dirty="0">
+            <a:endParaRPr lang="en-US" altLang="ja-JP" sz="2400" dirty="0">
               <a:solidFill>
                 <a:schemeClr val="tx1">
                   <a:lumMod val="65000"/>
@@ -53966,7 +53925,7 @@
           <a:p>
             <a:pPr lvl="1"/>
             <a:r>
-              <a:rPr lang="ja-JP" altLang="en-US">
+              <a:rPr lang="ja-JP" altLang="en-US" sz="2400">
                 <a:solidFill>
                   <a:schemeClr val="tx1">
                     <a:lumMod val="65000"/>
@@ -53976,7 +53935,7 @@
               </a:rPr>
               <a:t>例えば：</a:t>
             </a:r>
-            <a:endParaRPr lang="en-US" altLang="ja-JP" dirty="0">
+            <a:endParaRPr lang="en-US" altLang="ja-JP" sz="2400" dirty="0">
               <a:solidFill>
                 <a:schemeClr val="tx1">
                   <a:lumMod val="65000"/>
@@ -53995,11 +53954,54 @@
                     <a:lumOff val="35000"/>
                   </a:schemeClr>
                 </a:solidFill>
-                <a:hlinkClick r:id="rId4"/>
               </a:rPr>
               <a:t>動画を作成・共有したい</a:t>
             </a:r>
-            <a:endParaRPr lang="en-US" altLang="ja-JP" dirty="0">
+            <a:br>
+              <a:rPr lang="en-US" altLang="ja-JP" dirty="0">
+                <a:solidFill>
+                  <a:schemeClr val="tx1">
+                    <a:lumMod val="65000"/>
+                    <a:lumOff val="35000"/>
+                  </a:schemeClr>
+                </a:solidFill>
+              </a:rPr>
+            </a:br>
+            <a:r>
+              <a:rPr lang="ja-JP" altLang="en-US" sz="2000">
+                <a:solidFill>
+                  <a:schemeClr val="tx1">
+                    <a:lumMod val="65000"/>
+                    <a:lumOff val="35000"/>
+                  </a:schemeClr>
+                </a:solidFill>
+              </a:rPr>
+              <a:t>（</a:t>
+            </a:r>
+            <a:r>
+              <a:rPr lang="en" altLang="ja-JP" sz="2000" dirty="0">
+                <a:solidFill>
+                  <a:schemeClr val="tx1">
+                    <a:lumMod val="65000"/>
+                    <a:lumOff val="35000"/>
+                  </a:schemeClr>
+                </a:solidFill>
+                <a:hlinkClick r:id="rId4"/>
+              </a:rPr>
+              <a:t>https://utelecon.adm.u-tokyo.ac.jp/online/topics#movie</a:t>
+            </a:r>
+            <a:r>
+              <a:rPr lang="ja-JP" altLang="en-US" sz="2000">
+                <a:solidFill>
+                  <a:schemeClr val="tx1">
+                    <a:lumMod val="65000"/>
+                    <a:lumOff val="35000"/>
+                  </a:schemeClr>
+                </a:solidFill>
+              </a:rPr>
+              <a:t>）</a:t>
+            </a:r>
+            <a:endParaRPr lang="en-US" altLang="ja-JP" sz="2000" dirty="0">
               <a:solidFill>
                 <a:schemeClr val="tx1">
                   <a:lumMod val="65000"/>
@@ -54018,7 +54020,6 @@
                     <a:lumOff val="35000"/>
                   </a:schemeClr>
                 </a:solidFill>
-                <a:hlinkClick r:id="rId5"/>
               </a:rPr>
               <a:t>質問の受け付け方を工夫したい</a:t>
             </a:r>
@@ -54032,7 +54033,52 @@
                 </a:solidFill>
               </a:rPr>
             </a:br>
-            <a:endParaRPr lang="en-US" altLang="ja-JP" dirty="0">
+            <a:r>
+              <a:rPr lang="ja-JP" altLang="en-US" sz="1800">
+                <a:solidFill>
+                  <a:schemeClr val="tx1">
+                    <a:lumMod val="65000"/>
+                    <a:lumOff val="35000"/>
+                  </a:schemeClr>
+                </a:solidFill>
+              </a:rPr>
+              <a:t>（</a:t>
+            </a:r>
+            <a:r>
+              <a:rPr lang="en" altLang="ja-JP" sz="1800" dirty="0">
+                <a:solidFill>
+                  <a:schemeClr val="tx1">
+                    <a:lumMod val="65000"/>
+                    <a:lumOff val="35000"/>
+                  </a:schemeClr>
+                </a:solidFill>
+                <a:hlinkClick r:id="rId5"/>
+              </a:rPr>
+              <a:t>https://utelecon.adm.u-tokyo.ac.jp/articles/question-tools/</a:t>
+            </a:r>
+            <a:r>
+              <a:rPr lang="ja-JP" altLang="en-US" sz="1800">
+                <a:solidFill>
+                  <a:schemeClr val="tx1">
+                    <a:lumMod val="65000"/>
+                    <a:lumOff val="35000"/>
+                  </a:schemeClr>
+                </a:solidFill>
+              </a:rPr>
+              <a:t>）</a:t>
+            </a:r>
+            <a:endParaRPr lang="en-US" altLang="ja-JP" sz="1800" dirty="0">
+              <a:solidFill>
+                <a:schemeClr val="tx1">
+                  <a:lumMod val="65000"/>
+                  <a:lumOff val="35000"/>
+                </a:schemeClr>
+              </a:solidFill>
+            </a:endParaRPr>
+          </a:p>
+          <a:p>
+            <a:pPr lvl="1"/>
+            <a:endParaRPr lang="en-US" altLang="ja-JP" sz="2400" dirty="0">
               <a:solidFill>
                 <a:schemeClr val="tx1">
                   <a:lumMod val="65000"/>
@@ -54175,7 +54221,7 @@
         </p:blipFill>
         <p:spPr bwMode="auto">
           <a:xfrm>
-            <a:off x="7956376" y="5141802"/>
+            <a:off x="7884368" y="5141802"/>
             <a:ext cx="432048" cy="432048"/>
           </a:xfrm>
           <a:prstGeom prst="rect">
@@ -55958,6 +56004,60 @@
                 </a:solidFill>
               </a:rPr>
               <a:t>」</a:t>
+            </a:r>
+            <a:br>
+              <a:rPr lang="en-US" altLang="ja-JP" sz="2800" dirty="0">
+                <a:solidFill>
+                  <a:schemeClr val="tx1">
+                    <a:lumMod val="65000"/>
+                    <a:lumOff val="35000"/>
+                  </a:schemeClr>
+                </a:solidFill>
+              </a:rPr>
+            </a:br>
+            <a:r>
+              <a:rPr lang="en-US" altLang="ja-JP" sz="2800" dirty="0">
+                <a:solidFill>
+                  <a:schemeClr val="tx1">
+                    <a:lumMod val="65000"/>
+                    <a:lumOff val="35000"/>
+                  </a:schemeClr>
+                </a:solidFill>
+              </a:rPr>
+              <a:t>		</a:t>
+            </a:r>
+            <a:r>
+              <a:rPr lang="ja-JP" altLang="en-US" sz="2400">
+                <a:solidFill>
+                  <a:schemeClr val="tx1">
+                    <a:lumMod val="65000"/>
+                    <a:lumOff val="35000"/>
+                  </a:schemeClr>
+                </a:solidFill>
+              </a:rPr>
+              <a:t>（現在掲載中のものは</a:t>
+            </a:r>
+            <a:r>
+              <a:rPr lang="en-US" altLang="ja-JP" sz="2400" dirty="0">
+                <a:solidFill>
+                  <a:schemeClr val="tx1">
+                    <a:lumMod val="65000"/>
+                    <a:lumOff val="35000"/>
+                  </a:schemeClr>
+                </a:solidFill>
+              </a:rPr>
+              <a:t>21</a:t>
+            </a:r>
+            <a:r>
+              <a:rPr lang="ja-JP" altLang="en-US" sz="2400">
+                <a:solidFill>
+                  <a:schemeClr val="tx1">
+                    <a:lumMod val="65000"/>
+                    <a:lumOff val="35000"/>
+                  </a:schemeClr>
+                </a:solidFill>
+              </a:rPr>
+              <a:t>年度の情報です）</a:t>
             </a:r>
             <a:endParaRPr kumimoji="1" lang="en-US" altLang="ja-JP" sz="2800" dirty="0">
               <a:solidFill>
@@ -60534,7 +60634,12 @@
             <p:ph idx="1"/>
           </p:nvPr>
         </p:nvSpPr>
-        <p:spPr/>
+        <p:spPr>
+          <a:xfrm>
+            <a:off x="457200" y="1500174"/>
+            <a:ext cx="8229600" cy="4856176"/>
+          </a:xfrm>
+        </p:spPr>
         <p:txBody>
           <a:bodyPr>
             <a:normAutofit/>
@@ -60702,7 +60807,6 @@
                     <a:lumOff val="35000"/>
                   </a:schemeClr>
                 </a:solidFill>
-                <a:hlinkClick r:id="rId4"/>
               </a:rPr>
               <a:t>手書きノートアプリ「</a:t>
             </a:r>
@@ -60714,7 +60818,6 @@
                     <a:lumOff val="35000"/>
                   </a:schemeClr>
                 </a:solidFill>
-                <a:hlinkClick r:id="rId4"/>
               </a:rPr>
               <a:t>GoodNotes</a:t>
             </a:r>
@@ -60726,7 +60829,6 @@
                     <a:lumOff val="35000"/>
                   </a:schemeClr>
                 </a:solidFill>
-                <a:hlinkClick r:id="rId4"/>
               </a:rPr>
               <a:t> 5</a:t>
             </a:r>
@@ -60738,11 +60840,44 @@
                     <a:lumOff val="35000"/>
                   </a:schemeClr>
                 </a:solidFill>
-                <a:hlinkClick r:id="rId4"/>
               </a:rPr>
               <a:t>」の使い方</a:t>
             </a:r>
-            <a:endParaRPr lang="en-US" altLang="ja-JP" dirty="0">
+            <a:r>
+              <a:rPr lang="ja-JP" altLang="en-US" sz="1800">
+                <a:solidFill>
+                  <a:schemeClr val="tx1">
+                    <a:lumMod val="65000"/>
+                    <a:lumOff val="35000"/>
+                  </a:schemeClr>
+                </a:solidFill>
+              </a:rPr>
+              <a:t>（</a:t>
+            </a:r>
+            <a:r>
+              <a:rPr lang="en" altLang="ja-JP" sz="1800" dirty="0">
+                <a:solidFill>
+                  <a:schemeClr val="tx1">
+                    <a:lumMod val="65000"/>
+                    <a:lumOff val="35000"/>
+                  </a:schemeClr>
+                </a:solidFill>
+                <a:hlinkClick r:id="rId4"/>
+              </a:rPr>
+              <a:t>https://utelecon.adm.u-tokyo.ac.jp/online/tools#goodnotes-5</a:t>
+            </a:r>
+            <a:r>
+              <a:rPr lang="ja-JP" altLang="en-US" sz="1800">
+                <a:solidFill>
+                  <a:schemeClr val="tx1">
+                    <a:lumMod val="65000"/>
+                    <a:lumOff val="35000"/>
+                  </a:schemeClr>
+                </a:solidFill>
+              </a:rPr>
+              <a:t>）</a:t>
+            </a:r>
+            <a:endParaRPr lang="en-US" altLang="ja-JP" sz="1800" dirty="0">
               <a:solidFill>
                 <a:schemeClr val="tx1">
                   <a:lumMod val="65000"/>
@@ -60761,7 +60896,6 @@
                     <a:lumOff val="35000"/>
                   </a:schemeClr>
                 </a:solidFill>
-                <a:hlinkClick r:id="rId5"/>
               </a:rPr>
               <a:t>コミュニケーションツール「</a:t>
             </a:r>
@@ -60773,7 +60907,6 @@
                     <a:lumOff val="35000"/>
                   </a:schemeClr>
                 </a:solidFill>
-                <a:hlinkClick r:id="rId5"/>
               </a:rPr>
               <a:t>Slack</a:t>
             </a:r>
@@ -60785,9 +60918,52 @@
                     <a:lumOff val="35000"/>
                   </a:schemeClr>
                 </a:solidFill>
+              </a:rPr>
+              <a:t>」の使い方</a:t>
+            </a:r>
+            <a:br>
+              <a:rPr lang="en-US" altLang="ja-JP" dirty="0">
+                <a:solidFill>
+                  <a:schemeClr val="tx1">
+                    <a:lumMod val="65000"/>
+                    <a:lumOff val="35000"/>
+                  </a:schemeClr>
+                </a:solidFill>
+              </a:rPr>
+            </a:br>
+            <a:r>
+              <a:rPr lang="ja-JP" altLang="en-US">
+                <a:solidFill>
+                  <a:schemeClr val="tx1">
+                    <a:lumMod val="65000"/>
+                    <a:lumOff val="35000"/>
+                  </a:schemeClr>
+                </a:solidFill>
+              </a:rPr>
+              <a:t>（</a:t>
+            </a:r>
+            <a:r>
+              <a:rPr lang="en" altLang="ja-JP" sz="1800" dirty="0">
+                <a:solidFill>
+                  <a:schemeClr val="tx1">
+                    <a:lumMod val="65000"/>
+                    <a:lumOff val="35000"/>
+                  </a:schemeClr>
+                </a:solidFill>
                 <a:hlinkClick r:id="rId5"/>
               </a:rPr>
-              <a:t>」の使い方</a:t>
+              <a:t>https://utelecon.adm.u-tokyo.ac.jp/online/tools#slack</a:t>
+            </a:r>
+            <a:r>
+              <a:rPr lang="ja-JP" altLang="en-US">
+                <a:solidFill>
+                  <a:schemeClr val="tx1">
+                    <a:lumMod val="65000"/>
+                    <a:lumOff val="35000"/>
+                  </a:schemeClr>
+                </a:solidFill>
+              </a:rPr>
+              <a:t>）</a:t>
             </a:r>
             <a:endParaRPr lang="en-US" altLang="ja-JP" dirty="0">
               <a:solidFill>
